--- a/PP_Curation.pptx
+++ b/PP_Curation.pptx
@@ -14,6 +14,7 @@
     <p:sldId id="258" r:id="rId8"/>
     <p:sldId id="264" r:id="rId9"/>
     <p:sldId id="265" r:id="rId10"/>
+    <p:sldId id="266" r:id="rId11"/>
   </p:sldIdLst>
   <p:sldSz cx="12192000" cy="6858000"/>
   <p:notesSz cx="6858000" cy="9144000"/>
@@ -112,6 +113,11 @@
       </a:defRPr>
     </a:lvl9pPr>
   </p:defaultTextStyle>
+  <p:extLst>
+    <p:ext uri="{EFAFB233-063F-42B5-8137-9DF3F51BA10A}">
+      <p15:sldGuideLst xmlns:p15="http://schemas.microsoft.com/office/powerpoint/2012/main"/>
+    </p:ext>
+  </p:extLst>
 </p:presentation>
 </file>
 
@@ -262,7 +268,7 @@
           <a:p>
             <a:fld id="{DFF705DF-C04C-4C1F-B27F-3B13D6217EAF}" type="datetimeFigureOut">
               <a:rPr lang="en-GB" smtClean="0"/>
-              <a:t>11/10/2024</a:t>
+              <a:t>14/10/2024</a:t>
             </a:fld>
             <a:endParaRPr lang="en-GB"/>
           </a:p>
@@ -460,7 +466,7 @@
           <a:p>
             <a:fld id="{DFF705DF-C04C-4C1F-B27F-3B13D6217EAF}" type="datetimeFigureOut">
               <a:rPr lang="en-GB" smtClean="0"/>
-              <a:t>11/10/2024</a:t>
+              <a:t>14/10/2024</a:t>
             </a:fld>
             <a:endParaRPr lang="en-GB"/>
           </a:p>
@@ -668,7 +674,7 @@
           <a:p>
             <a:fld id="{DFF705DF-C04C-4C1F-B27F-3B13D6217EAF}" type="datetimeFigureOut">
               <a:rPr lang="en-GB" smtClean="0"/>
-              <a:t>11/10/2024</a:t>
+              <a:t>14/10/2024</a:t>
             </a:fld>
             <a:endParaRPr lang="en-GB"/>
           </a:p>
@@ -866,7 +872,7 @@
           <a:p>
             <a:fld id="{DFF705DF-C04C-4C1F-B27F-3B13D6217EAF}" type="datetimeFigureOut">
               <a:rPr lang="en-GB" smtClean="0"/>
-              <a:t>11/10/2024</a:t>
+              <a:t>14/10/2024</a:t>
             </a:fld>
             <a:endParaRPr lang="en-GB"/>
           </a:p>
@@ -1141,7 +1147,7 @@
           <a:p>
             <a:fld id="{DFF705DF-C04C-4C1F-B27F-3B13D6217EAF}" type="datetimeFigureOut">
               <a:rPr lang="en-GB" smtClean="0"/>
-              <a:t>11/10/2024</a:t>
+              <a:t>14/10/2024</a:t>
             </a:fld>
             <a:endParaRPr lang="en-GB"/>
           </a:p>
@@ -1406,7 +1412,7 @@
           <a:p>
             <a:fld id="{DFF705DF-C04C-4C1F-B27F-3B13D6217EAF}" type="datetimeFigureOut">
               <a:rPr lang="en-GB" smtClean="0"/>
-              <a:t>11/10/2024</a:t>
+              <a:t>14/10/2024</a:t>
             </a:fld>
             <a:endParaRPr lang="en-GB"/>
           </a:p>
@@ -1818,7 +1824,7 @@
           <a:p>
             <a:fld id="{DFF705DF-C04C-4C1F-B27F-3B13D6217EAF}" type="datetimeFigureOut">
               <a:rPr lang="en-GB" smtClean="0"/>
-              <a:t>11/10/2024</a:t>
+              <a:t>14/10/2024</a:t>
             </a:fld>
             <a:endParaRPr lang="en-GB"/>
           </a:p>
@@ -1959,7 +1965,7 @@
           <a:p>
             <a:fld id="{DFF705DF-C04C-4C1F-B27F-3B13D6217EAF}" type="datetimeFigureOut">
               <a:rPr lang="en-GB" smtClean="0"/>
-              <a:t>11/10/2024</a:t>
+              <a:t>14/10/2024</a:t>
             </a:fld>
             <a:endParaRPr lang="en-GB"/>
           </a:p>
@@ -2072,7 +2078,7 @@
           <a:p>
             <a:fld id="{DFF705DF-C04C-4C1F-B27F-3B13D6217EAF}" type="datetimeFigureOut">
               <a:rPr lang="en-GB" smtClean="0"/>
-              <a:t>11/10/2024</a:t>
+              <a:t>14/10/2024</a:t>
             </a:fld>
             <a:endParaRPr lang="en-GB"/>
           </a:p>
@@ -2383,7 +2389,7 @@
           <a:p>
             <a:fld id="{DFF705DF-C04C-4C1F-B27F-3B13D6217EAF}" type="datetimeFigureOut">
               <a:rPr lang="en-GB" smtClean="0"/>
-              <a:t>11/10/2024</a:t>
+              <a:t>14/10/2024</a:t>
             </a:fld>
             <a:endParaRPr lang="en-GB"/>
           </a:p>
@@ -2671,7 +2677,7 @@
           <a:p>
             <a:fld id="{DFF705DF-C04C-4C1F-B27F-3B13D6217EAF}" type="datetimeFigureOut">
               <a:rPr lang="en-GB" smtClean="0"/>
-              <a:t>11/10/2024</a:t>
+              <a:t>14/10/2024</a:t>
             </a:fld>
             <a:endParaRPr lang="en-GB"/>
           </a:p>
@@ -2912,7 +2918,7 @@
           <a:p>
             <a:fld id="{DFF705DF-C04C-4C1F-B27F-3B13D6217EAF}" type="datetimeFigureOut">
               <a:rPr lang="en-GB" smtClean="0"/>
-              <a:t>11/10/2024</a:t>
+              <a:t>14/10/2024</a:t>
             </a:fld>
             <a:endParaRPr lang="en-GB"/>
           </a:p>
@@ -3394,6 +3400,66 @@
     <p:extLst>
       <p:ext uri="{BB962C8B-B14F-4D97-AF65-F5344CB8AC3E}">
         <p14:creationId xmlns:p14="http://schemas.microsoft.com/office/powerpoint/2010/main" val="4053416474"/>
+      </p:ext>
+    </p:extLst>
+  </p:cSld>
+  <p:clrMapOvr>
+    <a:masterClrMapping/>
+  </p:clrMapOvr>
+</p:sld>
+</file>
+
+<file path=ppt/slides/slide10.xml><?xml version="1.0" encoding="utf-8"?>
+<p:sld xmlns:a="http://schemas.openxmlformats.org/drawingml/2006/main" xmlns:r="http://schemas.openxmlformats.org/officeDocument/2006/relationships" xmlns:p="http://schemas.openxmlformats.org/presentationml/2006/main">
+  <p:cSld>
+    <p:spTree>
+      <p:nvGrpSpPr>
+        <p:cNvPr id="1" name=""/>
+        <p:cNvGrpSpPr/>
+        <p:nvPr/>
+      </p:nvGrpSpPr>
+      <p:grpSpPr>
+        <a:xfrm>
+          <a:off x="0" y="0"/>
+          <a:ext cx="0" cy="0"/>
+          <a:chOff x="0" y="0"/>
+          <a:chExt cx="0" cy="0"/>
+        </a:xfrm>
+      </p:grpSpPr>
+      <p:pic>
+        <p:nvPicPr>
+          <p:cNvPr id="5" name="Picture 4">
+            <a:extLst>
+              <a:ext uri="{FF2B5EF4-FFF2-40B4-BE49-F238E27FC236}">
+                <a16:creationId xmlns:a16="http://schemas.microsoft.com/office/drawing/2014/main" id="{D99880A6-327B-F91F-0419-8EB6E0DB4DB8}"/>
+              </a:ext>
+            </a:extLst>
+          </p:cNvPr>
+          <p:cNvPicPr>
+            <a:picLocks noChangeAspect="1"/>
+          </p:cNvPicPr>
+          <p:nvPr/>
+        </p:nvPicPr>
+        <p:blipFill>
+          <a:blip r:embed="rId2"/>
+          <a:stretch>
+            <a:fillRect/>
+          </a:stretch>
+        </p:blipFill>
+        <p:spPr>
+          <a:xfrm>
+            <a:off x="754593" y="0"/>
+            <a:ext cx="10682814" cy="6858000"/>
+          </a:xfrm>
+          <a:prstGeom prst="rect">
+            <a:avLst/>
+          </a:prstGeom>
+        </p:spPr>
+      </p:pic>
+    </p:spTree>
+    <p:extLst>
+      <p:ext uri="{BB962C8B-B14F-4D97-AF65-F5344CB8AC3E}">
+        <p14:creationId xmlns:p14="http://schemas.microsoft.com/office/powerpoint/2010/main" val="2431347003"/>
       </p:ext>
     </p:extLst>
   </p:cSld>

--- a/PP_Curation.pptx
+++ b/PP_Curation.pptx
@@ -15,6 +15,7 @@
     <p:sldId id="264" r:id="rId9"/>
     <p:sldId id="265" r:id="rId10"/>
     <p:sldId id="266" r:id="rId11"/>
+    <p:sldId id="267" r:id="rId12"/>
   </p:sldIdLst>
   <p:sldSz cx="12192000" cy="6858000"/>
   <p:notesSz cx="6858000" cy="9144000"/>
@@ -268,7 +269,7 @@
           <a:p>
             <a:fld id="{DFF705DF-C04C-4C1F-B27F-3B13D6217EAF}" type="datetimeFigureOut">
               <a:rPr lang="en-GB" smtClean="0"/>
-              <a:t>14/10/2024</a:t>
+              <a:t>15/10/2024</a:t>
             </a:fld>
             <a:endParaRPr lang="en-GB"/>
           </a:p>
@@ -466,7 +467,7 @@
           <a:p>
             <a:fld id="{DFF705DF-C04C-4C1F-B27F-3B13D6217EAF}" type="datetimeFigureOut">
               <a:rPr lang="en-GB" smtClean="0"/>
-              <a:t>14/10/2024</a:t>
+              <a:t>15/10/2024</a:t>
             </a:fld>
             <a:endParaRPr lang="en-GB"/>
           </a:p>
@@ -674,7 +675,7 @@
           <a:p>
             <a:fld id="{DFF705DF-C04C-4C1F-B27F-3B13D6217EAF}" type="datetimeFigureOut">
               <a:rPr lang="en-GB" smtClean="0"/>
-              <a:t>14/10/2024</a:t>
+              <a:t>15/10/2024</a:t>
             </a:fld>
             <a:endParaRPr lang="en-GB"/>
           </a:p>
@@ -872,7 +873,7 @@
           <a:p>
             <a:fld id="{DFF705DF-C04C-4C1F-B27F-3B13D6217EAF}" type="datetimeFigureOut">
               <a:rPr lang="en-GB" smtClean="0"/>
-              <a:t>14/10/2024</a:t>
+              <a:t>15/10/2024</a:t>
             </a:fld>
             <a:endParaRPr lang="en-GB"/>
           </a:p>
@@ -1147,7 +1148,7 @@
           <a:p>
             <a:fld id="{DFF705DF-C04C-4C1F-B27F-3B13D6217EAF}" type="datetimeFigureOut">
               <a:rPr lang="en-GB" smtClean="0"/>
-              <a:t>14/10/2024</a:t>
+              <a:t>15/10/2024</a:t>
             </a:fld>
             <a:endParaRPr lang="en-GB"/>
           </a:p>
@@ -1412,7 +1413,7 @@
           <a:p>
             <a:fld id="{DFF705DF-C04C-4C1F-B27F-3B13D6217EAF}" type="datetimeFigureOut">
               <a:rPr lang="en-GB" smtClean="0"/>
-              <a:t>14/10/2024</a:t>
+              <a:t>15/10/2024</a:t>
             </a:fld>
             <a:endParaRPr lang="en-GB"/>
           </a:p>
@@ -1824,7 +1825,7 @@
           <a:p>
             <a:fld id="{DFF705DF-C04C-4C1F-B27F-3B13D6217EAF}" type="datetimeFigureOut">
               <a:rPr lang="en-GB" smtClean="0"/>
-              <a:t>14/10/2024</a:t>
+              <a:t>15/10/2024</a:t>
             </a:fld>
             <a:endParaRPr lang="en-GB"/>
           </a:p>
@@ -1965,7 +1966,7 @@
           <a:p>
             <a:fld id="{DFF705DF-C04C-4C1F-B27F-3B13D6217EAF}" type="datetimeFigureOut">
               <a:rPr lang="en-GB" smtClean="0"/>
-              <a:t>14/10/2024</a:t>
+              <a:t>15/10/2024</a:t>
             </a:fld>
             <a:endParaRPr lang="en-GB"/>
           </a:p>
@@ -2078,7 +2079,7 @@
           <a:p>
             <a:fld id="{DFF705DF-C04C-4C1F-B27F-3B13D6217EAF}" type="datetimeFigureOut">
               <a:rPr lang="en-GB" smtClean="0"/>
-              <a:t>14/10/2024</a:t>
+              <a:t>15/10/2024</a:t>
             </a:fld>
             <a:endParaRPr lang="en-GB"/>
           </a:p>
@@ -2389,7 +2390,7 @@
           <a:p>
             <a:fld id="{DFF705DF-C04C-4C1F-B27F-3B13D6217EAF}" type="datetimeFigureOut">
               <a:rPr lang="en-GB" smtClean="0"/>
-              <a:t>14/10/2024</a:t>
+              <a:t>15/10/2024</a:t>
             </a:fld>
             <a:endParaRPr lang="en-GB"/>
           </a:p>
@@ -2677,7 +2678,7 @@
           <a:p>
             <a:fld id="{DFF705DF-C04C-4C1F-B27F-3B13D6217EAF}" type="datetimeFigureOut">
               <a:rPr lang="en-GB" smtClean="0"/>
-              <a:t>14/10/2024</a:t>
+              <a:t>15/10/2024</a:t>
             </a:fld>
             <a:endParaRPr lang="en-GB"/>
           </a:p>
@@ -2918,7 +2919,7 @@
           <a:p>
             <a:fld id="{DFF705DF-C04C-4C1F-B27F-3B13D6217EAF}" type="datetimeFigureOut">
               <a:rPr lang="en-GB" smtClean="0"/>
-              <a:t>14/10/2024</a:t>
+              <a:t>15/10/2024</a:t>
             </a:fld>
             <a:endParaRPr lang="en-GB"/>
           </a:p>
@@ -3460,6 +3461,230 @@
     <p:extLst>
       <p:ext uri="{BB962C8B-B14F-4D97-AF65-F5344CB8AC3E}">
         <p14:creationId xmlns:p14="http://schemas.microsoft.com/office/powerpoint/2010/main" val="2431347003"/>
+      </p:ext>
+    </p:extLst>
+  </p:cSld>
+  <p:clrMapOvr>
+    <a:masterClrMapping/>
+  </p:clrMapOvr>
+</p:sld>
+</file>
+
+<file path=ppt/slides/slide11.xml><?xml version="1.0" encoding="utf-8"?>
+<p:sld xmlns:a="http://schemas.openxmlformats.org/drawingml/2006/main" xmlns:r="http://schemas.openxmlformats.org/officeDocument/2006/relationships" xmlns:p="http://schemas.openxmlformats.org/presentationml/2006/main">
+  <p:cSld>
+    <p:bg>
+      <p:bgPr>
+        <a:solidFill>
+          <a:schemeClr val="bg1"/>
+        </a:solidFill>
+        <a:effectLst/>
+      </p:bgPr>
+    </p:bg>
+    <p:spTree>
+      <p:nvGrpSpPr>
+        <p:cNvPr id="1" name=""/>
+        <p:cNvGrpSpPr/>
+        <p:nvPr/>
+      </p:nvGrpSpPr>
+      <p:grpSpPr>
+        <a:xfrm>
+          <a:off x="0" y="0"/>
+          <a:ext cx="0" cy="0"/>
+          <a:chOff x="0" y="0"/>
+          <a:chExt cx="0" cy="0"/>
+        </a:xfrm>
+      </p:grpSpPr>
+      <p:sp>
+        <p:nvSpPr>
+          <p:cNvPr id="10" name="Rectangle 9">
+            <a:extLst>
+              <a:ext uri="{FF2B5EF4-FFF2-40B4-BE49-F238E27FC236}">
+                <a16:creationId xmlns:a16="http://schemas.microsoft.com/office/drawing/2014/main" id="{42A4FC2C-047E-45A5-965D-8E1E3BF09BC6}"/>
+              </a:ext>
+              <a:ext uri="{C183D7F6-B498-43B3-948B-1728B52AA6E4}">
+                <adec:decorative xmlns:adec="http://schemas.microsoft.com/office/drawing/2017/decorative" val="1"/>
+              </a:ext>
+            </a:extLst>
+          </p:cNvPr>
+          <p:cNvSpPr>
+            <a:spLocks noGrp="1" noRot="1" noChangeAspect="1" noMove="1" noResize="1" noEditPoints="1" noAdjustHandles="1" noChangeArrowheads="1" noChangeShapeType="1" noTextEdit="1"/>
+          </p:cNvSpPr>
+          <p:nvPr>
+            <p:extLst>
+              <p:ext uri="{386F3935-93C4-4BCD-93E2-E3B085C9AB24}">
+                <p16:designElem xmlns:p16="http://schemas.microsoft.com/office/powerpoint/2015/main" val="1"/>
+              </p:ext>
+            </p:extLst>
+          </p:nvPr>
+        </p:nvSpPr>
+        <p:spPr bwMode="white">
+          <a:xfrm>
+            <a:off x="1524" y="0"/>
+            <a:ext cx="12188952" cy="6858000"/>
+          </a:xfrm>
+          <a:prstGeom prst="rect">
+            <a:avLst/>
+          </a:prstGeom>
+          <a:noFill/>
+          <a:ln>
+            <a:noFill/>
+          </a:ln>
+        </p:spPr>
+        <p:style>
+          <a:lnRef idx="2">
+            <a:schemeClr val="accent1">
+              <a:shade val="50000"/>
+            </a:schemeClr>
+          </a:lnRef>
+          <a:fillRef idx="1">
+            <a:schemeClr val="accent1"/>
+          </a:fillRef>
+          <a:effectRef idx="0">
+            <a:schemeClr val="accent1"/>
+          </a:effectRef>
+          <a:fontRef idx="minor">
+            <a:schemeClr val="lt1"/>
+          </a:fontRef>
+        </p:style>
+        <p:txBody>
+          <a:bodyPr rtlCol="0" anchor="ctr"/>
+          <a:lstStyle>
+            <a:defPPr>
+              <a:defRPr lang="en-US"/>
+            </a:defPPr>
+            <a:lvl1pPr marL="0" algn="l" defTabSz="914400" rtl="0" eaLnBrk="1" latinLnBrk="0" hangingPunct="1">
+              <a:defRPr sz="1800" kern="1200">
+                <a:solidFill>
+                  <a:schemeClr val="lt1"/>
+                </a:solidFill>
+                <a:latin typeface="+mn-lt"/>
+                <a:ea typeface="+mn-ea"/>
+                <a:cs typeface="+mn-cs"/>
+              </a:defRPr>
+            </a:lvl1pPr>
+            <a:lvl2pPr marL="457200" algn="l" defTabSz="914400" rtl="0" eaLnBrk="1" latinLnBrk="0" hangingPunct="1">
+              <a:defRPr sz="1800" kern="1200">
+                <a:solidFill>
+                  <a:schemeClr val="lt1"/>
+                </a:solidFill>
+                <a:latin typeface="+mn-lt"/>
+                <a:ea typeface="+mn-ea"/>
+                <a:cs typeface="+mn-cs"/>
+              </a:defRPr>
+            </a:lvl2pPr>
+            <a:lvl3pPr marL="914400" algn="l" defTabSz="914400" rtl="0" eaLnBrk="1" latinLnBrk="0" hangingPunct="1">
+              <a:defRPr sz="1800" kern="1200">
+                <a:solidFill>
+                  <a:schemeClr val="lt1"/>
+                </a:solidFill>
+                <a:latin typeface="+mn-lt"/>
+                <a:ea typeface="+mn-ea"/>
+                <a:cs typeface="+mn-cs"/>
+              </a:defRPr>
+            </a:lvl3pPr>
+            <a:lvl4pPr marL="1371600" algn="l" defTabSz="914400" rtl="0" eaLnBrk="1" latinLnBrk="0" hangingPunct="1">
+              <a:defRPr sz="1800" kern="1200">
+                <a:solidFill>
+                  <a:schemeClr val="lt1"/>
+                </a:solidFill>
+                <a:latin typeface="+mn-lt"/>
+                <a:ea typeface="+mn-ea"/>
+                <a:cs typeface="+mn-cs"/>
+              </a:defRPr>
+            </a:lvl4pPr>
+            <a:lvl5pPr marL="1828800" algn="l" defTabSz="914400" rtl="0" eaLnBrk="1" latinLnBrk="0" hangingPunct="1">
+              <a:defRPr sz="1800" kern="1200">
+                <a:solidFill>
+                  <a:schemeClr val="lt1"/>
+                </a:solidFill>
+                <a:latin typeface="+mn-lt"/>
+                <a:ea typeface="+mn-ea"/>
+                <a:cs typeface="+mn-cs"/>
+              </a:defRPr>
+            </a:lvl5pPr>
+            <a:lvl6pPr marL="2286000" algn="l" defTabSz="914400" rtl="0" eaLnBrk="1" latinLnBrk="0" hangingPunct="1">
+              <a:defRPr sz="1800" kern="1200">
+                <a:solidFill>
+                  <a:schemeClr val="lt1"/>
+                </a:solidFill>
+                <a:latin typeface="+mn-lt"/>
+                <a:ea typeface="+mn-ea"/>
+                <a:cs typeface="+mn-cs"/>
+              </a:defRPr>
+            </a:lvl6pPr>
+            <a:lvl7pPr marL="2743200" algn="l" defTabSz="914400" rtl="0" eaLnBrk="1" latinLnBrk="0" hangingPunct="1">
+              <a:defRPr sz="1800" kern="1200">
+                <a:solidFill>
+                  <a:schemeClr val="lt1"/>
+                </a:solidFill>
+                <a:latin typeface="+mn-lt"/>
+                <a:ea typeface="+mn-ea"/>
+                <a:cs typeface="+mn-cs"/>
+              </a:defRPr>
+            </a:lvl7pPr>
+            <a:lvl8pPr marL="3200400" algn="l" defTabSz="914400" rtl="0" eaLnBrk="1" latinLnBrk="0" hangingPunct="1">
+              <a:defRPr sz="1800" kern="1200">
+                <a:solidFill>
+                  <a:schemeClr val="lt1"/>
+                </a:solidFill>
+                <a:latin typeface="+mn-lt"/>
+                <a:ea typeface="+mn-ea"/>
+                <a:cs typeface="+mn-cs"/>
+              </a:defRPr>
+            </a:lvl8pPr>
+            <a:lvl9pPr marL="3657600" algn="l" defTabSz="914400" rtl="0" eaLnBrk="1" latinLnBrk="0" hangingPunct="1">
+              <a:defRPr sz="1800" kern="1200">
+                <a:solidFill>
+                  <a:schemeClr val="lt1"/>
+                </a:solidFill>
+                <a:latin typeface="+mn-lt"/>
+                <a:ea typeface="+mn-ea"/>
+                <a:cs typeface="+mn-cs"/>
+              </a:defRPr>
+            </a:lvl9pPr>
+          </a:lstStyle>
+          <a:p>
+            <a:pPr algn="ctr"/>
+            <a:endParaRPr lang="en-US"/>
+          </a:p>
+        </p:txBody>
+      </p:sp>
+      <p:pic>
+        <p:nvPicPr>
+          <p:cNvPr id="5" name="Content Placeholder 4">
+            <a:extLst>
+              <a:ext uri="{FF2B5EF4-FFF2-40B4-BE49-F238E27FC236}">
+                <a16:creationId xmlns:a16="http://schemas.microsoft.com/office/drawing/2014/main" id="{B09E4161-2815-D3BA-AF6F-B89A475CE90C}"/>
+              </a:ext>
+            </a:extLst>
+          </p:cNvPr>
+          <p:cNvPicPr>
+            <a:picLocks noGrp="1" noChangeAspect="1"/>
+          </p:cNvPicPr>
+          <p:nvPr>
+            <p:ph idx="1"/>
+          </p:nvPr>
+        </p:nvPicPr>
+        <p:blipFill>
+          <a:blip r:embed="rId2"/>
+          <a:srcRect b="15429"/>
+          <a:stretch/>
+        </p:blipFill>
+        <p:spPr>
+          <a:xfrm>
+            <a:off x="20" y="1282"/>
+            <a:ext cx="12191980" cy="6856718"/>
+          </a:xfrm>
+          <a:prstGeom prst="rect">
+            <a:avLst/>
+          </a:prstGeom>
+        </p:spPr>
+      </p:pic>
+    </p:spTree>
+    <p:extLst>
+      <p:ext uri="{BB962C8B-B14F-4D97-AF65-F5344CB8AC3E}">
+        <p14:creationId xmlns:p14="http://schemas.microsoft.com/office/powerpoint/2010/main" val="876664466"/>
       </p:ext>
     </p:extLst>
   </p:cSld>
